--- a/group7.pptx
+++ b/group7.pptx
@@ -5,17 +5,18 @@
     <p:sldMasterId id="2147483648" r:id="rId1"/>
   </p:sldMasterIdLst>
   <p:notesMasterIdLst>
-    <p:notesMasterId r:id="rId10"/>
+    <p:notesMasterId r:id="rId11"/>
   </p:notesMasterIdLst>
   <p:sldIdLst>
     <p:sldId id="256" r:id="rId2"/>
     <p:sldId id="281" r:id="rId3"/>
     <p:sldId id="282" r:id="rId4"/>
-    <p:sldId id="324" r:id="rId5"/>
-    <p:sldId id="283" r:id="rId6"/>
-    <p:sldId id="257" r:id="rId7"/>
-    <p:sldId id="284" r:id="rId8"/>
-    <p:sldId id="286" r:id="rId9"/>
+    <p:sldId id="325" r:id="rId5"/>
+    <p:sldId id="324" r:id="rId6"/>
+    <p:sldId id="283" r:id="rId7"/>
+    <p:sldId id="257" r:id="rId8"/>
+    <p:sldId id="284" r:id="rId9"/>
+    <p:sldId id="286" r:id="rId10"/>
   </p:sldIdLst>
   <p:sldSz cx="9144000" cy="6858000" type="screen4x3"/>
   <p:notesSz cx="6858000" cy="9144000"/>
@@ -2787,7 +2788,7 @@
           <a:p>
             <a:fld id="{B5433FD3-D4D5-654C-AF14-F85A2E651603}" type="datetimeFigureOut">
               <a:rPr lang="en-US" smtClean="0"/>
-              <a:t>11/21/2017</a:t>
+              <a:t>11/21/17</a:t>
             </a:fld>
             <a:endParaRPr lang="en-US"/>
           </a:p>
@@ -3381,7 +3382,7 @@
     </p:spTree>
     <p:extLst>
       <p:ext uri="{BB962C8B-B14F-4D97-AF65-F5344CB8AC3E}">
-        <p14:creationId xmlns:p14="http://schemas.microsoft.com/office/powerpoint/2010/main" val="3671974559"/>
+        <p14:creationId xmlns:p14="http://schemas.microsoft.com/office/powerpoint/2010/main" val="1868550712"/>
       </p:ext>
     </p:extLst>
   </p:cSld>
@@ -3456,7 +3457,7 @@
           <a:p>
             <a:fld id="{48D24F86-F6CF-8244-A262-2B71796AB8AE}" type="slidenum">
               <a:rPr lang="en-US" smtClean="0"/>
-              <a:t>6</a:t>
+              <a:t>5</a:t>
             </a:fld>
             <a:endParaRPr lang="en-US"/>
           </a:p>
@@ -3465,7 +3466,7 @@
     </p:spTree>
     <p:extLst>
       <p:ext uri="{BB962C8B-B14F-4D97-AF65-F5344CB8AC3E}">
-        <p14:creationId xmlns:p14="http://schemas.microsoft.com/office/powerpoint/2010/main" val="3667635147"/>
+        <p14:creationId xmlns:p14="http://schemas.microsoft.com/office/powerpoint/2010/main" val="3671974559"/>
       </p:ext>
     </p:extLst>
   </p:cSld>
@@ -3541,6 +3542,90 @@
             <a:fld id="{48D24F86-F6CF-8244-A262-2B71796AB8AE}" type="slidenum">
               <a:rPr lang="en-US" smtClean="0"/>
               <a:t>7</a:t>
+            </a:fld>
+            <a:endParaRPr lang="en-US"/>
+          </a:p>
+        </p:txBody>
+      </p:sp>
+    </p:spTree>
+    <p:extLst>
+      <p:ext uri="{BB962C8B-B14F-4D97-AF65-F5344CB8AC3E}">
+        <p14:creationId xmlns:p14="http://schemas.microsoft.com/office/powerpoint/2010/main" val="3667635147"/>
+      </p:ext>
+    </p:extLst>
+  </p:cSld>
+  <p:clrMapOvr>
+    <a:masterClrMapping/>
+  </p:clrMapOvr>
+</p:notes>
+</file>
+
+<file path=ppt/notesSlides/notesSlide7.xml><?xml version="1.0" encoding="utf-8"?>
+<p:notes xmlns:a="http://schemas.openxmlformats.org/drawingml/2006/main" xmlns:r="http://schemas.openxmlformats.org/officeDocument/2006/relationships" xmlns:p="http://schemas.openxmlformats.org/presentationml/2006/main">
+  <p:cSld>
+    <p:spTree>
+      <p:nvGrpSpPr>
+        <p:cNvPr id="1" name=""/>
+        <p:cNvGrpSpPr/>
+        <p:nvPr/>
+      </p:nvGrpSpPr>
+      <p:grpSpPr>
+        <a:xfrm>
+          <a:off x="0" y="0"/>
+          <a:ext cx="0" cy="0"/>
+          <a:chOff x="0" y="0"/>
+          <a:chExt cx="0" cy="0"/>
+        </a:xfrm>
+      </p:grpSpPr>
+      <p:sp>
+        <p:nvSpPr>
+          <p:cNvPr id="2" name="Slide Image Placeholder 1"/>
+          <p:cNvSpPr>
+            <a:spLocks noGrp="1" noRot="1" noChangeAspect="1"/>
+          </p:cNvSpPr>
+          <p:nvPr>
+            <p:ph type="sldImg"/>
+          </p:nvPr>
+        </p:nvSpPr>
+        <p:spPr/>
+      </p:sp>
+      <p:sp>
+        <p:nvSpPr>
+          <p:cNvPr id="3" name="Notes Placeholder 2"/>
+          <p:cNvSpPr>
+            <a:spLocks noGrp="1"/>
+          </p:cNvSpPr>
+          <p:nvPr>
+            <p:ph type="body" idx="1"/>
+          </p:nvPr>
+        </p:nvSpPr>
+        <p:spPr/>
+        <p:txBody>
+          <a:bodyPr/>
+          <a:lstStyle/>
+          <a:p>
+            <a:endParaRPr lang="en-US" dirty="0"/>
+          </a:p>
+        </p:txBody>
+      </p:sp>
+      <p:sp>
+        <p:nvSpPr>
+          <p:cNvPr id="4" name="Slide Number Placeholder 3"/>
+          <p:cNvSpPr>
+            <a:spLocks noGrp="1"/>
+          </p:cNvSpPr>
+          <p:nvPr>
+            <p:ph type="sldNum" sz="quarter" idx="10"/>
+          </p:nvPr>
+        </p:nvSpPr>
+        <p:spPr/>
+        <p:txBody>
+          <a:bodyPr/>
+          <a:lstStyle/>
+          <a:p>
+            <a:fld id="{48D24F86-F6CF-8244-A262-2B71796AB8AE}" type="slidenum">
+              <a:rPr lang="en-US" smtClean="0"/>
+              <a:t>8</a:t>
             </a:fld>
             <a:endParaRPr lang="en-US"/>
           </a:p>
@@ -3740,7 +3825,7 @@
           <a:p>
             <a:fld id="{FA193CBE-E609-BD4C-B6EA-D0B4C25592F9}" type="datetimeFigureOut">
               <a:rPr lang="en-US" smtClean="0"/>
-              <a:t>11/21/2017</a:t>
+              <a:t>11/21/17</a:t>
             </a:fld>
             <a:endParaRPr lang="en-US"/>
           </a:p>
@@ -3910,7 +3995,7 @@
           <a:p>
             <a:fld id="{FA193CBE-E609-BD4C-B6EA-D0B4C25592F9}" type="datetimeFigureOut">
               <a:rPr lang="en-US" smtClean="0"/>
-              <a:t>11/21/2017</a:t>
+              <a:t>11/21/17</a:t>
             </a:fld>
             <a:endParaRPr lang="en-US"/>
           </a:p>
@@ -4090,7 +4175,7 @@
           <a:p>
             <a:fld id="{FA193CBE-E609-BD4C-B6EA-D0B4C25592F9}" type="datetimeFigureOut">
               <a:rPr lang="en-US" smtClean="0"/>
-              <a:t>11/21/2017</a:t>
+              <a:t>11/21/17</a:t>
             </a:fld>
             <a:endParaRPr lang="en-US"/>
           </a:p>
@@ -4433,7 +4518,7 @@
           <a:p>
             <a:fld id="{FA193CBE-E609-BD4C-B6EA-D0B4C25592F9}" type="datetimeFigureOut">
               <a:rPr lang="en-US" smtClean="0"/>
-              <a:t>11/21/2017</a:t>
+              <a:t>11/21/17</a:t>
             </a:fld>
             <a:endParaRPr lang="en-US"/>
           </a:p>
@@ -4679,7 +4764,7 @@
           <a:p>
             <a:fld id="{FA193CBE-E609-BD4C-B6EA-D0B4C25592F9}" type="datetimeFigureOut">
               <a:rPr lang="en-US" smtClean="0"/>
-              <a:t>11/21/2017</a:t>
+              <a:t>11/21/17</a:t>
             </a:fld>
             <a:endParaRPr lang="en-US"/>
           </a:p>
@@ -4967,7 +5052,7 @@
           <a:p>
             <a:fld id="{FA193CBE-E609-BD4C-B6EA-D0B4C25592F9}" type="datetimeFigureOut">
               <a:rPr lang="en-US" smtClean="0"/>
-              <a:t>11/21/2017</a:t>
+              <a:t>11/21/17</a:t>
             </a:fld>
             <a:endParaRPr lang="en-US"/>
           </a:p>
@@ -5389,7 +5474,7 @@
           <a:p>
             <a:fld id="{FA193CBE-E609-BD4C-B6EA-D0B4C25592F9}" type="datetimeFigureOut">
               <a:rPr lang="en-US" smtClean="0"/>
-              <a:t>11/21/2017</a:t>
+              <a:t>11/21/17</a:t>
             </a:fld>
             <a:endParaRPr lang="en-US"/>
           </a:p>
@@ -5507,7 +5592,7 @@
           <a:p>
             <a:fld id="{FA193CBE-E609-BD4C-B6EA-D0B4C25592F9}" type="datetimeFigureOut">
               <a:rPr lang="en-US" smtClean="0"/>
-              <a:t>11/21/2017</a:t>
+              <a:t>11/21/17</a:t>
             </a:fld>
             <a:endParaRPr lang="en-US"/>
           </a:p>
@@ -5602,7 +5687,7 @@
           <a:p>
             <a:fld id="{FA193CBE-E609-BD4C-B6EA-D0B4C25592F9}" type="datetimeFigureOut">
               <a:rPr lang="en-US" smtClean="0"/>
-              <a:t>11/21/2017</a:t>
+              <a:t>11/21/17</a:t>
             </a:fld>
             <a:endParaRPr lang="en-US"/>
           </a:p>
@@ -5879,7 +5964,7 @@
           <a:p>
             <a:fld id="{FA193CBE-E609-BD4C-B6EA-D0B4C25592F9}" type="datetimeFigureOut">
               <a:rPr lang="en-US" smtClean="0"/>
-              <a:t>11/21/2017</a:t>
+              <a:t>11/21/17</a:t>
             </a:fld>
             <a:endParaRPr lang="en-US"/>
           </a:p>
@@ -6132,7 +6217,7 @@
           <a:p>
             <a:fld id="{FA193CBE-E609-BD4C-B6EA-D0B4C25592F9}" type="datetimeFigureOut">
               <a:rPr lang="en-US" smtClean="0"/>
-              <a:t>11/21/2017</a:t>
+              <a:t>11/21/17</a:t>
             </a:fld>
             <a:endParaRPr lang="en-US"/>
           </a:p>
@@ -6350,7 +6435,7 @@
           <a:p>
             <a:fld id="{FA193CBE-E609-BD4C-B6EA-D0B4C25592F9}" type="datetimeFigureOut">
               <a:rPr lang="en-US" smtClean="0"/>
-              <a:t>11/21/2017</a:t>
+              <a:t>11/21/17</a:t>
             </a:fld>
             <a:endParaRPr lang="en-US"/>
           </a:p>
@@ -7197,17 +7282,7 @@
                 <a:latin typeface="Helvetica Light"/>
                 <a:cs typeface="Helvetica Light"/>
               </a:rPr>
-              <a:t>affects </a:t>
-            </a:r>
-            <a:r>
-              <a:rPr lang="en-US" sz="1400" dirty="0" smtClean="0">
-                <a:solidFill>
-                  <a:srgbClr val="40A1CB"/>
-                </a:solidFill>
-                <a:latin typeface="Helvetica Light"/>
-                <a:cs typeface="Helvetica Light"/>
-              </a:rPr>
-              <a:t>sales</a:t>
+              <a:t>affects sales</a:t>
             </a:r>
           </a:p>
         </p:txBody>
@@ -7253,8 +7328,8 @@
         </p:nvSpPr>
         <p:spPr>
           <a:xfrm>
-            <a:off x="5782803" y="3801657"/>
-            <a:ext cx="2271712" cy="738664"/>
+            <a:off x="5652529" y="3739569"/>
+            <a:ext cx="2601897" cy="738664"/>
           </a:xfrm>
           <a:prstGeom prst="rect">
             <a:avLst/>
@@ -7262,7 +7337,7 @@
           <a:noFill/>
         </p:spPr>
         <p:txBody>
-          <a:bodyPr wrap="none" rtlCol="0">
+          <a:bodyPr wrap="square" rtlCol="0">
             <a:spAutoFit/>
           </a:bodyPr>
           <a:lstStyle/>
@@ -7276,11 +7351,8 @@
                 <a:latin typeface="Helvetica Light"/>
                 <a:cs typeface="Helvetica Light"/>
               </a:rPr>
-              <a:t>Bar owner can’t effectively</a:t>
-            </a:r>
-          </a:p>
-          <a:p>
-            <a:pPr algn="ctr"/>
+              <a:t>Bar owner </a:t>
+            </a:r>
             <a:r>
               <a:rPr lang="en-US" sz="1400" dirty="0" smtClean="0">
                 <a:solidFill>
@@ -7289,30 +7361,17 @@
                 <a:latin typeface="Helvetica Light"/>
                 <a:cs typeface="Helvetica Light"/>
               </a:rPr>
-              <a:t>run ad campaigns to</a:t>
-            </a:r>
-          </a:p>
-          <a:p>
-            <a:pPr algn="ctr"/>
-            <a:r>
-              <a:rPr lang="en-US" sz="1400" dirty="0">
+              <a:t>can’t determine what music to play </a:t>
+            </a:r>
+            <a:r>
+              <a:rPr lang="en-US" sz="1400" smtClean="0">
                 <a:solidFill>
                   <a:srgbClr val="40A1CB"/>
                 </a:solidFill>
                 <a:latin typeface="Helvetica Light"/>
                 <a:cs typeface="Helvetica Light"/>
               </a:rPr>
-              <a:t>b</a:t>
-            </a:r>
-            <a:r>
-              <a:rPr lang="en-US" sz="1400" dirty="0" smtClean="0">
-                <a:solidFill>
-                  <a:srgbClr val="40A1CB"/>
-                </a:solidFill>
-                <a:latin typeface="Helvetica Light"/>
-                <a:cs typeface="Helvetica Light"/>
-              </a:rPr>
-              <a:t>oost sales</a:t>
+              <a:t>to attract the most drinkers</a:t>
             </a:r>
             <a:endParaRPr lang="en-US" sz="1400" dirty="0">
               <a:solidFill>
@@ -7514,8 +7573,8 @@
         </p:nvSpPr>
         <p:spPr>
           <a:xfrm>
-            <a:off x="3621401" y="3801657"/>
-            <a:ext cx="1677062" cy="738664"/>
+            <a:off x="3267335" y="3723629"/>
+            <a:ext cx="2067667" cy="738664"/>
           </a:xfrm>
           <a:prstGeom prst="rect">
             <a:avLst/>
@@ -7523,7 +7582,7 @@
           <a:noFill/>
         </p:spPr>
         <p:txBody>
-          <a:bodyPr wrap="none" rtlCol="0">
+          <a:bodyPr wrap="square" rtlCol="0">
             <a:spAutoFit/>
           </a:bodyPr>
           <a:lstStyle/>
@@ -7537,51 +7596,15 @@
                 <a:latin typeface="Helvetica Light"/>
                 <a:cs typeface="Helvetica Light"/>
               </a:rPr>
-              <a:t>Their ad platform</a:t>
-            </a:r>
-          </a:p>
-          <a:p>
-            <a:pPr algn="ctr"/>
-            <a:r>
-              <a:rPr lang="en-US" sz="1400" dirty="0">
-                <a:solidFill>
-                  <a:srgbClr val="40A1CB"/>
-                </a:solidFill>
-                <a:latin typeface="Helvetica Light"/>
-                <a:cs typeface="Helvetica Light"/>
-              </a:rPr>
-              <a:t> </a:t>
-            </a:r>
-            <a:r>
-              <a:rPr lang="en-US" sz="1400" dirty="0" smtClean="0">
-                <a:solidFill>
-                  <a:srgbClr val="40A1CB"/>
-                </a:solidFill>
-                <a:latin typeface="Helvetica Light"/>
-                <a:cs typeface="Helvetica Light"/>
-              </a:rPr>
-              <a:t>can only tell them </a:t>
-            </a:r>
-            <a:endParaRPr lang="en-US" sz="1400" dirty="0">
+              <a:t>Bar owner does not have good statistics about their bartenders</a:t>
+            </a:r>
+            <a:endParaRPr lang="en-US" sz="1400" dirty="0" smtClean="0">
               <a:solidFill>
                 <a:srgbClr val="40A1CB"/>
               </a:solidFill>
               <a:latin typeface="Helvetica Light"/>
               <a:cs typeface="Helvetica Light"/>
             </a:endParaRPr>
-          </a:p>
-          <a:p>
-            <a:pPr algn="ctr"/>
-            <a:r>
-              <a:rPr lang="en-US" sz="1400" dirty="0" smtClean="0">
-                <a:solidFill>
-                  <a:srgbClr val="40A1CB"/>
-                </a:solidFill>
-                <a:latin typeface="Helvetica Light"/>
-                <a:cs typeface="Helvetica Light"/>
-              </a:rPr>
-              <a:t>total clicks</a:t>
-            </a:r>
           </a:p>
         </p:txBody>
       </p:sp>
@@ -8376,17 +8399,7 @@
                 <a:latin typeface="Helvetica Light"/>
                 <a:cs typeface="Helvetica Light"/>
               </a:rPr>
-              <a:t>Some example dashboard </a:t>
-            </a:r>
-            <a:r>
-              <a:rPr lang="en-US" sz="2100" b="1" dirty="0" smtClean="0">
-                <a:solidFill>
-                  <a:srgbClr val="40A2CB"/>
-                </a:solidFill>
-                <a:latin typeface="Helvetica Light"/>
-                <a:cs typeface="Helvetica Light"/>
-              </a:rPr>
-              <a:t>statistics (not limited to):</a:t>
+              <a:t>Some example dashboard statistics (not limited to):</a:t>
             </a:r>
             <a:endParaRPr lang="en-US" sz="2100" dirty="0" smtClean="0">
               <a:latin typeface="Helvetica Light"/>
@@ -8406,8 +8419,14 @@
                 <a:latin typeface="Helvetica Light"/>
                 <a:cs typeface="Helvetica Light"/>
               </a:rPr>
-              <a:t>View the </a:t>
-            </a:r>
+              <a:t>View the efficacy of ad campaigns</a:t>
+            </a:r>
+          </a:p>
+          <a:p>
+            <a:pPr marL="342900" indent="-342900">
+              <a:buFont typeface="Arial"/>
+              <a:buChar char="•"/>
+            </a:pPr>
             <a:r>
               <a:rPr lang="en-US" sz="1800" dirty="0" smtClean="0">
                 <a:solidFill>
@@ -8416,8 +8435,14 @@
                 <a:latin typeface="Helvetica Light"/>
                 <a:cs typeface="Helvetica Light"/>
               </a:rPr>
-              <a:t>efficacy of ad </a:t>
-            </a:r>
+              <a:t>Monthly/daily earnings reports</a:t>
+            </a:r>
+          </a:p>
+          <a:p>
+            <a:pPr marL="342900" indent="-342900">
+              <a:buFont typeface="Arial"/>
+              <a:buChar char="•"/>
+            </a:pPr>
             <a:r>
               <a:rPr lang="en-US" sz="1800" dirty="0" smtClean="0">
                 <a:solidFill>
@@ -8426,7 +8451,7 @@
                 <a:latin typeface="Helvetica Light"/>
                 <a:cs typeface="Helvetica Light"/>
               </a:rPr>
-              <a:t>campaigns</a:t>
+              <a:t>Bartender average revenue generation per shift</a:t>
             </a:r>
             <a:endParaRPr lang="en-US" sz="1800" dirty="0" smtClean="0">
               <a:solidFill>
@@ -8449,40 +8474,15 @@
                 <a:latin typeface="Helvetica Light"/>
                 <a:cs typeface="Helvetica Light"/>
               </a:rPr>
-              <a:t>Monthly/daily earnings reports</a:t>
-            </a:r>
-          </a:p>
-          <a:p>
-            <a:pPr marL="342900" indent="-342900">
-              <a:buFont typeface="Arial"/>
-              <a:buChar char="•"/>
-            </a:pPr>
-            <a:r>
-              <a:rPr lang="en-US" sz="1800" dirty="0" smtClean="0">
-                <a:solidFill>
-                  <a:srgbClr val="40A2CB"/>
-                </a:solidFill>
-                <a:latin typeface="Helvetica Light"/>
-                <a:cs typeface="Helvetica Light"/>
-              </a:rPr>
-              <a:t>Statistics on best selling beers</a:t>
-            </a:r>
-          </a:p>
-          <a:p>
-            <a:pPr marL="342900" indent="-342900">
-              <a:buFont typeface="Arial"/>
-              <a:buChar char="•"/>
-            </a:pPr>
-            <a:r>
-              <a:rPr lang="en-US" sz="1800" dirty="0" smtClean="0">
-                <a:solidFill>
-                  <a:srgbClr val="40A2CB"/>
-                </a:solidFill>
-                <a:latin typeface="Helvetica Light"/>
-                <a:cs typeface="Helvetica Light"/>
-              </a:rPr>
-              <a:t>See which beers highest paying customers like</a:t>
-            </a:r>
+              <a:t>Music trends amongst drinkers that frequent the bar</a:t>
+            </a:r>
+            <a:endParaRPr lang="en-US" sz="1800" dirty="0" smtClean="0">
+              <a:solidFill>
+                <a:srgbClr val="40A2CB"/>
+              </a:solidFill>
+              <a:latin typeface="Helvetica Light"/>
+              <a:cs typeface="Helvetica Light"/>
+            </a:endParaRPr>
           </a:p>
           <a:p>
             <a:pPr marL="342900" indent="-342900">
@@ -9078,16 +9078,98 @@
                 <a:latin typeface="Helvetica Light"/>
                 <a:cs typeface="Helvetica Light"/>
               </a:rPr>
-              <a:t>All drinkers are 21 and </a:t>
-            </a:r>
+              <a:t>Keep track of data for every transaction that occurs in the bar</a:t>
+            </a:r>
+          </a:p>
+          <a:p>
+            <a:pPr marL="971610" lvl="2" indent="-285750">
+              <a:buFont typeface="Courier New" charset="0"/>
+              <a:buChar char="o"/>
+            </a:pPr>
+            <a:r>
+              <a:rPr lang="en-US" sz="1400" dirty="0">
+                <a:latin typeface="Helvetica Light"/>
+                <a:cs typeface="Helvetica Light"/>
+              </a:rPr>
+              <a:t>bartender who sold the drink</a:t>
+            </a:r>
+          </a:p>
+          <a:p>
+            <a:pPr marL="971610" lvl="2" indent="-285750">
+              <a:buFont typeface="Courier New" charset="0"/>
+              <a:buChar char="o"/>
+            </a:pPr>
+            <a:r>
+              <a:rPr lang="en-US" sz="1400" dirty="0">
+                <a:latin typeface="Helvetica Light"/>
+                <a:cs typeface="Helvetica Light"/>
+              </a:rPr>
+              <a:t>What the drink was</a:t>
+            </a:r>
+          </a:p>
+          <a:p>
+            <a:pPr marL="971610" lvl="2" indent="-285750">
+              <a:buFont typeface="Courier New" charset="0"/>
+              <a:buChar char="o"/>
+            </a:pPr>
+            <a:r>
+              <a:rPr lang="en-US" sz="1400" dirty="0">
+                <a:latin typeface="Helvetica Light"/>
+                <a:cs typeface="Helvetica Light"/>
+              </a:rPr>
+              <a:t>What price</a:t>
+            </a:r>
+          </a:p>
+          <a:p>
+            <a:pPr marL="971610" lvl="2" indent="-285750">
+              <a:buFont typeface="Courier New" charset="0"/>
+              <a:buChar char="o"/>
+            </a:pPr>
+            <a:r>
+              <a:rPr lang="en-US" sz="1400" dirty="0">
+                <a:latin typeface="Helvetica Light"/>
+                <a:cs typeface="Helvetica Light"/>
+              </a:rPr>
+              <a:t>When was it </a:t>
+            </a:r>
+            <a:r>
+              <a:rPr lang="en-US" sz="1400" dirty="0" smtClean="0">
+                <a:latin typeface="Helvetica Light"/>
+                <a:cs typeface="Helvetica Light"/>
+              </a:rPr>
+              <a:t>sold</a:t>
+            </a:r>
+            <a:endParaRPr lang="en-US" sz="1800" dirty="0" smtClean="0">
+              <a:latin typeface="Helvetica Light"/>
+              <a:cs typeface="Helvetica Light"/>
+            </a:endParaRPr>
+          </a:p>
+          <a:p>
+            <a:pPr marL="285750" indent="-285750">
+              <a:buFont typeface="Arial" panose="020B0604020202020204" pitchFamily="34" charset="0"/>
+              <a:buChar char="•"/>
+            </a:pPr>
             <a:r>
               <a:rPr lang="en-US" sz="1800" dirty="0" smtClean="0">
                 <a:latin typeface="Helvetica Light"/>
                 <a:cs typeface="Helvetica Light"/>
               </a:rPr>
-              <a:t>older</a:t>
-            </a:r>
-            <a:endParaRPr lang="en-US" sz="1800" dirty="0">
+              <a:t>Our table only includes past year’s transactions</a:t>
+            </a:r>
+          </a:p>
+          <a:p>
+            <a:pPr marL="971610" lvl="2" indent="-285750">
+              <a:buFont typeface="Courier New" charset="0"/>
+              <a:buChar char="o"/>
+            </a:pPr>
+            <a:r>
+              <a:rPr lang="en-US" sz="1400" dirty="0" smtClean="0">
+                <a:latin typeface="Helvetica Light"/>
+                <a:cs typeface="Helvetica Light"/>
+              </a:rPr>
+              <a:t>5 Million Tuples! Indexed for efficiency</a:t>
+            </a:r>
+            <a:endParaRPr lang="en-US" sz="1400" dirty="0">
               <a:latin typeface="Helvetica Light"/>
               <a:cs typeface="Helvetica Light"/>
             </a:endParaRPr>
@@ -9102,176 +9184,41 @@
                 <a:latin typeface="Helvetica Light"/>
                 <a:cs typeface="Helvetica Light"/>
               </a:rPr>
-              <a:t>A d</a:t>
-            </a:r>
-            <a:r>
-              <a:rPr lang="en-US" sz="1800" dirty="0" smtClean="0">
+              <a:t>Combine this with other data to generate advanced statistics</a:t>
+            </a:r>
+          </a:p>
+          <a:p>
+            <a:pPr marL="971610" lvl="2" indent="-285750">
+              <a:buFont typeface="Courier New" charset="0"/>
+              <a:buChar char="o"/>
+            </a:pPr>
+            <a:r>
+              <a:rPr lang="en-US" sz="1400" dirty="0" smtClean="0">
                 <a:latin typeface="Helvetica Light"/>
                 <a:cs typeface="Helvetica Light"/>
               </a:rPr>
-              <a:t>rinker’s </a:t>
-            </a:r>
-            <a:r>
-              <a:rPr lang="en-US" sz="1800" dirty="0">
+              <a:t>Examples: Find out how much profit a given beer produced </a:t>
+            </a:r>
+          </a:p>
+          <a:p>
+            <a:pPr marL="971610" lvl="2" indent="-285750">
+              <a:buFont typeface="Courier New" charset="0"/>
+              <a:buChar char="o"/>
+            </a:pPr>
+            <a:r>
+              <a:rPr lang="en-US" sz="1400" dirty="0" smtClean="0">
                 <a:latin typeface="Helvetica Light"/>
                 <a:cs typeface="Helvetica Light"/>
               </a:rPr>
-              <a:t>daily spending </a:t>
-            </a:r>
-            <a:r>
-              <a:rPr lang="en-US" sz="1800" dirty="0" smtClean="0">
-                <a:latin typeface="Helvetica Light"/>
-                <a:cs typeface="Helvetica Light"/>
-              </a:rPr>
-              <a:t>is not </a:t>
-            </a:r>
-            <a:r>
-              <a:rPr lang="en-US" sz="1800" dirty="0">
-                <a:latin typeface="Helvetica Light"/>
-                <a:cs typeface="Helvetica Light"/>
-              </a:rPr>
-              <a:t>greater than half their daily </a:t>
-            </a:r>
-            <a:r>
-              <a:rPr lang="en-US" sz="1800" dirty="0" smtClean="0">
-                <a:latin typeface="Helvetica Light"/>
-                <a:cs typeface="Helvetica Light"/>
-              </a:rPr>
-              <a:t>earnings</a:t>
-            </a:r>
-            <a:endParaRPr lang="en-US" sz="1800" dirty="0">
-              <a:latin typeface="Helvetica Light"/>
-              <a:cs typeface="Helvetica Light"/>
-            </a:endParaRPr>
+              <a:t>Which bartender generates the most revenue on Saturday Nights? During Happy Hour?</a:t>
+            </a:r>
           </a:p>
           <a:p>
             <a:pPr marL="285750" indent="-285750">
               <a:buFont typeface="Arial" panose="020B0604020202020204" pitchFamily="34" charset="0"/>
               <a:buChar char="•"/>
             </a:pPr>
-            <a:r>
-              <a:rPr lang="en-US" sz="1800" dirty="0">
-                <a:latin typeface="Helvetica Light"/>
-                <a:cs typeface="Helvetica Light"/>
-              </a:rPr>
-              <a:t>Bars generate more revenue at night and on weekends</a:t>
-            </a:r>
-          </a:p>
-          <a:p>
-            <a:pPr marL="285750" indent="-285750">
-              <a:buFont typeface="Arial" panose="020B0604020202020204" pitchFamily="34" charset="0"/>
-              <a:buChar char="•"/>
-            </a:pPr>
-            <a:r>
-              <a:rPr lang="en-US" sz="1800" dirty="0">
-                <a:latin typeface="Helvetica Light"/>
-                <a:cs typeface="Helvetica Light"/>
-              </a:rPr>
-              <a:t>Bartenders don’t work at multiple bars</a:t>
-            </a:r>
-          </a:p>
-          <a:p>
-            <a:pPr marL="285750" indent="-285750">
-              <a:buFont typeface="Arial" panose="020B0604020202020204" pitchFamily="34" charset="0"/>
-              <a:buChar char="•"/>
-            </a:pPr>
-            <a:r>
-              <a:rPr lang="en-US" sz="1800" dirty="0">
-                <a:latin typeface="Helvetica Light"/>
-                <a:cs typeface="Helvetica Light"/>
-              </a:rPr>
-              <a:t>Older </a:t>
-            </a:r>
-            <a:r>
-              <a:rPr lang="en-US" sz="1800" dirty="0" smtClean="0">
-                <a:latin typeface="Helvetica Light"/>
-                <a:cs typeface="Helvetica Light"/>
-              </a:rPr>
-              <a:t>drinkers have </a:t>
-            </a:r>
-            <a:r>
-              <a:rPr lang="en-US" sz="1800" dirty="0">
-                <a:latin typeface="Helvetica Light"/>
-                <a:cs typeface="Helvetica Light"/>
-              </a:rPr>
-              <a:t>higher average </a:t>
-            </a:r>
-            <a:r>
-              <a:rPr lang="en-US" sz="1800" dirty="0" smtClean="0">
-                <a:latin typeface="Helvetica Light"/>
-                <a:cs typeface="Helvetica Light"/>
-              </a:rPr>
-              <a:t>salaries</a:t>
-            </a:r>
-            <a:endParaRPr lang="en-US" sz="1800" dirty="0">
-              <a:latin typeface="Helvetica Light"/>
-              <a:cs typeface="Helvetica Light"/>
-            </a:endParaRPr>
-          </a:p>
-          <a:p>
-            <a:pPr marL="285750" indent="-285750">
-              <a:buFont typeface="Arial" panose="020B0604020202020204" pitchFamily="34" charset="0"/>
-              <a:buChar char="•"/>
-            </a:pPr>
-            <a:r>
-              <a:rPr lang="en-US" sz="1800" dirty="0">
-                <a:latin typeface="Helvetica Light"/>
-                <a:cs typeface="Helvetica Light"/>
-              </a:rPr>
-              <a:t>Younger </a:t>
-            </a:r>
-            <a:r>
-              <a:rPr lang="en-US" sz="1800" dirty="0" smtClean="0">
-                <a:latin typeface="Helvetica Light"/>
-                <a:cs typeface="Helvetica Light"/>
-              </a:rPr>
-              <a:t>drinkers prefer </a:t>
-            </a:r>
-            <a:r>
-              <a:rPr lang="en-US" sz="1800" dirty="0">
-                <a:latin typeface="Helvetica Light"/>
-                <a:cs typeface="Helvetica Light"/>
-              </a:rPr>
-              <a:t>more crowdedness</a:t>
-            </a:r>
-          </a:p>
-          <a:p>
-            <a:pPr marL="285750" indent="-285750">
-              <a:buFont typeface="Arial" panose="020B0604020202020204" pitchFamily="34" charset="0"/>
-              <a:buChar char="•"/>
-            </a:pPr>
-            <a:r>
-              <a:rPr lang="en-US" sz="1800" dirty="0" smtClean="0">
-                <a:latin typeface="Helvetica Light"/>
-                <a:cs typeface="Helvetica Light"/>
-              </a:rPr>
-              <a:t>Drinkers with higher salaries spend </a:t>
-            </a:r>
-            <a:r>
-              <a:rPr lang="en-US" sz="1800" dirty="0">
-                <a:latin typeface="Helvetica Light"/>
-                <a:cs typeface="Helvetica Light"/>
-              </a:rPr>
-              <a:t>more per </a:t>
-            </a:r>
-            <a:r>
-              <a:rPr lang="en-US" sz="1800" dirty="0" smtClean="0">
-                <a:latin typeface="Helvetica Light"/>
-                <a:cs typeface="Helvetica Light"/>
-              </a:rPr>
-              <a:t>day</a:t>
-            </a:r>
-            <a:endParaRPr lang="en-US" sz="1800" dirty="0">
-              <a:latin typeface="Helvetica Light"/>
-              <a:cs typeface="Helvetica Light"/>
-            </a:endParaRPr>
-          </a:p>
-          <a:p>
-            <a:pPr marL="285750" indent="-285750">
-              <a:buFont typeface="Arial" panose="020B0604020202020204" pitchFamily="34" charset="0"/>
-              <a:buChar char="•"/>
-            </a:pPr>
-            <a:endParaRPr lang="en-US" sz="1800" dirty="0">
+            <a:endParaRPr lang="en-US" sz="1800" dirty="0" smtClean="0">
               <a:latin typeface="Helvetica Light"/>
               <a:cs typeface="Helvetica Light"/>
             </a:endParaRPr>
@@ -9546,7 +9493,7 @@
                   </a:schemeClr>
                 </a:solidFill>
               </a:rPr>
-              <a:t>Data Set</a:t>
+              <a:t>How do we do this?</a:t>
             </a:r>
             <a:endParaRPr lang="en-US" sz="3600" dirty="0">
               <a:solidFill>
@@ -9667,6 +9614,720 @@
                 <a:latin typeface="Helvetica Light"/>
                 <a:cs typeface="Helvetica Light"/>
               </a:rPr>
+              <a:t>Granular Transaction Data</a:t>
+            </a:r>
+            <a:endParaRPr lang="en-US" sz="2400" dirty="0">
+              <a:latin typeface="Helvetica Light"/>
+              <a:cs typeface="Helvetica Light"/>
+            </a:endParaRPr>
+          </a:p>
+        </p:txBody>
+      </p:sp>
+    </p:spTree>
+    <p:extLst>
+      <p:ext uri="{BB962C8B-B14F-4D97-AF65-F5344CB8AC3E}">
+        <p14:creationId xmlns:p14="http://schemas.microsoft.com/office/powerpoint/2010/main" val="538547310"/>
+      </p:ext>
+    </p:extLst>
+  </p:cSld>
+  <p:clrMapOvr>
+    <a:masterClrMapping/>
+  </p:clrMapOvr>
+  <p:timing>
+    <p:tnLst>
+      <p:par>
+        <p:cTn id="1" dur="indefinite" restart="never" nodeType="tmRoot"/>
+      </p:par>
+    </p:tnLst>
+  </p:timing>
+</p:sld>
+</file>
+
+<file path=ppt/slides/slide5.xml><?xml version="1.0" encoding="utf-8"?>
+<p:sld xmlns:a="http://schemas.openxmlformats.org/drawingml/2006/main" xmlns:r="http://schemas.openxmlformats.org/officeDocument/2006/relationships" xmlns:p="http://schemas.openxmlformats.org/presentationml/2006/main">
+  <p:cSld>
+    <p:spTree>
+      <p:nvGrpSpPr>
+        <p:cNvPr id="1" name=""/>
+        <p:cNvGrpSpPr/>
+        <p:nvPr/>
+      </p:nvGrpSpPr>
+      <p:grpSpPr>
+        <a:xfrm>
+          <a:off x="0" y="0"/>
+          <a:ext cx="0" cy="0"/>
+          <a:chOff x="0" y="0"/>
+          <a:chExt cx="0" cy="0"/>
+        </a:xfrm>
+      </p:grpSpPr>
+      <p:sp>
+        <p:nvSpPr>
+          <p:cNvPr id="16" name="Rounded Rectangle 15"/>
+          <p:cNvSpPr/>
+          <p:nvPr/>
+        </p:nvSpPr>
+        <p:spPr>
+          <a:xfrm>
+            <a:off x="363499" y="1037056"/>
+            <a:ext cx="8417002" cy="5488552"/>
+          </a:xfrm>
+          <a:prstGeom prst="roundRect">
+            <a:avLst>
+              <a:gd name="adj" fmla="val 8736"/>
+            </a:avLst>
+          </a:prstGeom>
+          <a:solidFill>
+            <a:schemeClr val="bg1">
+              <a:lumMod val="85000"/>
+            </a:schemeClr>
+          </a:solidFill>
+          <a:ln>
+            <a:noFill/>
+          </a:ln>
+          <a:effectLst/>
+        </p:spPr>
+        <p:style>
+          <a:lnRef idx="1">
+            <a:schemeClr val="accent1"/>
+          </a:lnRef>
+          <a:fillRef idx="3">
+            <a:schemeClr val="accent1"/>
+          </a:fillRef>
+          <a:effectRef idx="2">
+            <a:schemeClr val="accent1"/>
+          </a:effectRef>
+          <a:fontRef idx="minor">
+            <a:schemeClr val="lt1"/>
+          </a:fontRef>
+        </p:style>
+        <p:txBody>
+          <a:bodyPr rtlCol="0" anchor="ctr"/>
+          <a:lstStyle/>
+          <a:p>
+            <a:pPr algn="ctr"/>
+            <a:endParaRPr lang="en-US" dirty="0"/>
+          </a:p>
+        </p:txBody>
+      </p:sp>
+      <p:sp>
+        <p:nvSpPr>
+          <p:cNvPr id="20" name="Text Placeholder 2"/>
+          <p:cNvSpPr>
+            <a:spLocks noGrp="1"/>
+          </p:cNvSpPr>
+          <p:nvPr>
+            <p:ph type="body" sz="quarter" idx="14"/>
+          </p:nvPr>
+        </p:nvSpPr>
+        <p:spPr>
+          <a:xfrm>
+            <a:off x="675077" y="2424181"/>
+            <a:ext cx="7937832" cy="3792131"/>
+          </a:xfrm>
+        </p:spPr>
+        <p:txBody>
+          <a:bodyPr>
+            <a:normAutofit/>
+          </a:bodyPr>
+          <a:lstStyle/>
+          <a:p>
+            <a:pPr marL="285750" indent="-285750">
+              <a:buFont typeface="Arial" panose="020B0604020202020204" pitchFamily="34" charset="0"/>
+              <a:buChar char="•"/>
+            </a:pPr>
+            <a:r>
+              <a:rPr lang="en-US" sz="1800" dirty="0" smtClean="0">
+                <a:latin typeface="Helvetica Light"/>
+                <a:cs typeface="Helvetica Light"/>
+              </a:rPr>
+              <a:t>All drinkers are 21 and older</a:t>
+            </a:r>
+            <a:endParaRPr lang="en-US" sz="1800" dirty="0">
+              <a:latin typeface="Helvetica Light"/>
+              <a:cs typeface="Helvetica Light"/>
+            </a:endParaRPr>
+          </a:p>
+          <a:p>
+            <a:pPr marL="285750" indent="-285750">
+              <a:buFont typeface="Arial" panose="020B0604020202020204" pitchFamily="34" charset="0"/>
+              <a:buChar char="•"/>
+            </a:pPr>
+            <a:r>
+              <a:rPr lang="en-US" sz="1800" dirty="0" smtClean="0">
+                <a:latin typeface="Helvetica Light"/>
+                <a:cs typeface="Helvetica Light"/>
+              </a:rPr>
+              <a:t>A drinker’s </a:t>
+            </a:r>
+            <a:r>
+              <a:rPr lang="en-US" sz="1800" dirty="0">
+                <a:latin typeface="Helvetica Light"/>
+                <a:cs typeface="Helvetica Light"/>
+              </a:rPr>
+              <a:t>daily spending </a:t>
+            </a:r>
+            <a:r>
+              <a:rPr lang="en-US" sz="1800" dirty="0" smtClean="0">
+                <a:latin typeface="Helvetica Light"/>
+                <a:cs typeface="Helvetica Light"/>
+              </a:rPr>
+              <a:t>is not </a:t>
+            </a:r>
+            <a:r>
+              <a:rPr lang="en-US" sz="1800" dirty="0">
+                <a:latin typeface="Helvetica Light"/>
+                <a:cs typeface="Helvetica Light"/>
+              </a:rPr>
+              <a:t>greater than half their daily </a:t>
+            </a:r>
+            <a:r>
+              <a:rPr lang="en-US" sz="1800" dirty="0" smtClean="0">
+                <a:latin typeface="Helvetica Light"/>
+                <a:cs typeface="Helvetica Light"/>
+              </a:rPr>
+              <a:t>earnings</a:t>
+            </a:r>
+            <a:endParaRPr lang="en-US" sz="1800" dirty="0">
+              <a:latin typeface="Helvetica Light"/>
+              <a:cs typeface="Helvetica Light"/>
+            </a:endParaRPr>
+          </a:p>
+          <a:p>
+            <a:pPr marL="285750" indent="-285750">
+              <a:buFont typeface="Arial" panose="020B0604020202020204" pitchFamily="34" charset="0"/>
+              <a:buChar char="•"/>
+            </a:pPr>
+            <a:r>
+              <a:rPr lang="en-US" sz="1800" dirty="0">
+                <a:latin typeface="Helvetica Light"/>
+                <a:cs typeface="Helvetica Light"/>
+              </a:rPr>
+              <a:t>Bars generate more revenue at night and on weekends</a:t>
+            </a:r>
+          </a:p>
+          <a:p>
+            <a:pPr marL="285750" indent="-285750">
+              <a:buFont typeface="Arial" panose="020B0604020202020204" pitchFamily="34" charset="0"/>
+              <a:buChar char="•"/>
+            </a:pPr>
+            <a:r>
+              <a:rPr lang="en-US" sz="1800" dirty="0">
+                <a:latin typeface="Helvetica Light"/>
+                <a:cs typeface="Helvetica Light"/>
+              </a:rPr>
+              <a:t>Bartenders don’t work at multiple bars</a:t>
+            </a:r>
+          </a:p>
+          <a:p>
+            <a:pPr marL="285750" indent="-285750">
+              <a:buFont typeface="Arial" panose="020B0604020202020204" pitchFamily="34" charset="0"/>
+              <a:buChar char="•"/>
+            </a:pPr>
+            <a:r>
+              <a:rPr lang="en-US" sz="1800" dirty="0">
+                <a:latin typeface="Helvetica Light"/>
+                <a:cs typeface="Helvetica Light"/>
+              </a:rPr>
+              <a:t>Older </a:t>
+            </a:r>
+            <a:r>
+              <a:rPr lang="en-US" sz="1800" dirty="0" smtClean="0">
+                <a:latin typeface="Helvetica Light"/>
+                <a:cs typeface="Helvetica Light"/>
+              </a:rPr>
+              <a:t>drinkers have </a:t>
+            </a:r>
+            <a:r>
+              <a:rPr lang="en-US" sz="1800" dirty="0">
+                <a:latin typeface="Helvetica Light"/>
+                <a:cs typeface="Helvetica Light"/>
+              </a:rPr>
+              <a:t>higher average </a:t>
+            </a:r>
+            <a:r>
+              <a:rPr lang="en-US" sz="1800" dirty="0" smtClean="0">
+                <a:latin typeface="Helvetica Light"/>
+                <a:cs typeface="Helvetica Light"/>
+              </a:rPr>
+              <a:t>salaries</a:t>
+            </a:r>
+            <a:endParaRPr lang="en-US" sz="1800" dirty="0">
+              <a:latin typeface="Helvetica Light"/>
+              <a:cs typeface="Helvetica Light"/>
+            </a:endParaRPr>
+          </a:p>
+          <a:p>
+            <a:pPr marL="285750" indent="-285750">
+              <a:buFont typeface="Arial" panose="020B0604020202020204" pitchFamily="34" charset="0"/>
+              <a:buChar char="•"/>
+            </a:pPr>
+            <a:r>
+              <a:rPr lang="en-US" sz="1800" dirty="0">
+                <a:latin typeface="Helvetica Light"/>
+                <a:cs typeface="Helvetica Light"/>
+              </a:rPr>
+              <a:t>Younger </a:t>
+            </a:r>
+            <a:r>
+              <a:rPr lang="en-US" sz="1800" dirty="0" smtClean="0">
+                <a:latin typeface="Helvetica Light"/>
+                <a:cs typeface="Helvetica Light"/>
+              </a:rPr>
+              <a:t>drinkers prefer </a:t>
+            </a:r>
+            <a:r>
+              <a:rPr lang="en-US" sz="1800" dirty="0">
+                <a:latin typeface="Helvetica Light"/>
+                <a:cs typeface="Helvetica Light"/>
+              </a:rPr>
+              <a:t>more crowdedness</a:t>
+            </a:r>
+          </a:p>
+          <a:p>
+            <a:pPr marL="285750" indent="-285750">
+              <a:buFont typeface="Arial" panose="020B0604020202020204" pitchFamily="34" charset="0"/>
+              <a:buChar char="•"/>
+            </a:pPr>
+            <a:r>
+              <a:rPr lang="en-US" sz="1800" dirty="0" smtClean="0">
+                <a:latin typeface="Helvetica Light"/>
+                <a:cs typeface="Helvetica Light"/>
+              </a:rPr>
+              <a:t>Drinkers with higher salaries spend </a:t>
+            </a:r>
+            <a:r>
+              <a:rPr lang="en-US" sz="1800" dirty="0">
+                <a:latin typeface="Helvetica Light"/>
+                <a:cs typeface="Helvetica Light"/>
+              </a:rPr>
+              <a:t>more per </a:t>
+            </a:r>
+            <a:r>
+              <a:rPr lang="en-US" sz="1800" dirty="0" smtClean="0">
+                <a:latin typeface="Helvetica Light"/>
+                <a:cs typeface="Helvetica Light"/>
+              </a:rPr>
+              <a:t>day</a:t>
+            </a:r>
+          </a:p>
+          <a:p>
+            <a:pPr marL="285750" indent="-285750">
+              <a:buFont typeface="Arial" panose="020B0604020202020204" pitchFamily="34" charset="0"/>
+              <a:buChar char="•"/>
+            </a:pPr>
+            <a:r>
+              <a:rPr lang="en-US" sz="1800" dirty="0" smtClean="0">
+                <a:latin typeface="Helvetica Light"/>
+                <a:cs typeface="Helvetica Light"/>
+              </a:rPr>
+              <a:t>Beers must be priced high enough to make a profit</a:t>
+            </a:r>
+            <a:endParaRPr lang="en-US" sz="1800" dirty="0">
+              <a:latin typeface="Helvetica Light"/>
+              <a:cs typeface="Helvetica Light"/>
+            </a:endParaRPr>
+          </a:p>
+          <a:p>
+            <a:pPr marL="285750" indent="-285750">
+              <a:buFont typeface="Arial" panose="020B0604020202020204" pitchFamily="34" charset="0"/>
+              <a:buChar char="•"/>
+            </a:pPr>
+            <a:endParaRPr lang="en-US" sz="1800" dirty="0">
+              <a:latin typeface="Helvetica Light"/>
+              <a:cs typeface="Helvetica Light"/>
+            </a:endParaRPr>
+          </a:p>
+        </p:txBody>
+      </p:sp>
+      <p:sp>
+        <p:nvSpPr>
+          <p:cNvPr id="15" name="TextBox 14"/>
+          <p:cNvSpPr txBox="1"/>
+          <p:nvPr/>
+        </p:nvSpPr>
+        <p:spPr>
+          <a:xfrm>
+            <a:off x="8821093" y="6483684"/>
+            <a:ext cx="313009" cy="369332"/>
+          </a:xfrm>
+          <a:prstGeom prst="rect">
+            <a:avLst/>
+          </a:prstGeom>
+          <a:noFill/>
+        </p:spPr>
+        <p:txBody>
+          <a:bodyPr wrap="none" rtlCol="0">
+            <a:spAutoFit/>
+          </a:bodyPr>
+          <a:lstStyle/>
+          <a:p>
+            <a:r>
+              <a:rPr lang="en-US" dirty="0" smtClean="0">
+                <a:solidFill>
+                  <a:schemeClr val="tx1">
+                    <a:lumMod val="75000"/>
+                    <a:lumOff val="25000"/>
+                  </a:schemeClr>
+                </a:solidFill>
+                <a:latin typeface="Helvetica Light"/>
+                <a:cs typeface="Helvetica Light"/>
+              </a:rPr>
+              <a:t>5</a:t>
+            </a:r>
+            <a:endParaRPr lang="en-US" dirty="0">
+              <a:solidFill>
+                <a:schemeClr val="tx1">
+                  <a:lumMod val="75000"/>
+                  <a:lumOff val="25000"/>
+                </a:schemeClr>
+              </a:solidFill>
+              <a:latin typeface="Helvetica Light"/>
+              <a:cs typeface="Helvetica Light"/>
+            </a:endParaRPr>
+          </a:p>
+        </p:txBody>
+      </p:sp>
+      <p:sp>
+        <p:nvSpPr>
+          <p:cNvPr id="18" name="Rectangle 17"/>
+          <p:cNvSpPr/>
+          <p:nvPr/>
+        </p:nvSpPr>
+        <p:spPr>
+          <a:xfrm>
+            <a:off x="1" y="317478"/>
+            <a:ext cx="9144000" cy="538093"/>
+          </a:xfrm>
+          <a:prstGeom prst="rect">
+            <a:avLst/>
+          </a:prstGeom>
+          <a:solidFill>
+            <a:schemeClr val="tx2">
+              <a:alpha val="15000"/>
+            </a:schemeClr>
+          </a:solidFill>
+          <a:ln>
+            <a:noFill/>
+          </a:ln>
+          <a:effectLst/>
+        </p:spPr>
+        <p:style>
+          <a:lnRef idx="1">
+            <a:schemeClr val="accent1"/>
+          </a:lnRef>
+          <a:fillRef idx="3">
+            <a:schemeClr val="accent1"/>
+          </a:fillRef>
+          <a:effectRef idx="2">
+            <a:schemeClr val="accent1"/>
+          </a:effectRef>
+          <a:fontRef idx="minor">
+            <a:schemeClr val="lt1"/>
+          </a:fontRef>
+        </p:style>
+        <p:txBody>
+          <a:bodyPr rtlCol="0" anchor="ctr"/>
+          <a:lstStyle/>
+          <a:p>
+            <a:pPr algn="ctr"/>
+            <a:endParaRPr lang="en-US"/>
+          </a:p>
+        </p:txBody>
+      </p:sp>
+      <p:sp>
+        <p:nvSpPr>
+          <p:cNvPr id="19" name="Text Placeholder 1"/>
+          <p:cNvSpPr txBox="1">
+            <a:spLocks/>
+          </p:cNvSpPr>
+          <p:nvPr/>
+        </p:nvSpPr>
+        <p:spPr>
+          <a:xfrm>
+            <a:off x="1656538" y="345614"/>
+            <a:ext cx="6124673" cy="538093"/>
+          </a:xfrm>
+          <a:prstGeom prst="rect">
+            <a:avLst/>
+          </a:prstGeom>
+        </p:spPr>
+        <p:txBody>
+          <a:bodyPr vert="horz" lIns="91440" tIns="45720" rIns="91440" bIns="45720" rtlCol="0">
+            <a:noAutofit/>
+          </a:bodyPr>
+          <a:lstStyle>
+            <a:lvl1pPr marL="0" indent="0" algn="l" defTabSz="457200" rtl="0" eaLnBrk="1" latinLnBrk="0" hangingPunct="1">
+              <a:lnSpc>
+                <a:spcPct val="80000"/>
+              </a:lnSpc>
+              <a:spcBef>
+                <a:spcPct val="20000"/>
+              </a:spcBef>
+              <a:buFont typeface="Arial"/>
+              <a:buNone/>
+              <a:defRPr sz="4000" b="0" i="0" kern="1200" baseline="0">
+                <a:solidFill>
+                  <a:schemeClr val="tx1">
+                    <a:lumMod val="50000"/>
+                  </a:schemeClr>
+                </a:solidFill>
+                <a:latin typeface="Helvetica"/>
+                <a:ea typeface="+mn-ea"/>
+                <a:cs typeface="Helvetica"/>
+              </a:defRPr>
+            </a:lvl1pPr>
+            <a:lvl2pPr marL="742950" indent="-285750" algn="l" defTabSz="457200" rtl="0" eaLnBrk="1" latinLnBrk="0" hangingPunct="1">
+              <a:spcBef>
+                <a:spcPct val="20000"/>
+              </a:spcBef>
+              <a:buFont typeface="Arial"/>
+              <a:buChar char="–"/>
+              <a:defRPr sz="2800" kern="1200">
+                <a:solidFill>
+                  <a:srgbClr val="FFFFFF"/>
+                </a:solidFill>
+                <a:latin typeface="+mn-lt"/>
+                <a:ea typeface="+mn-ea"/>
+                <a:cs typeface="+mn-cs"/>
+              </a:defRPr>
+            </a:lvl2pPr>
+            <a:lvl3pPr marL="1143000" indent="-228600" algn="l" defTabSz="457200" rtl="0" eaLnBrk="1" latinLnBrk="0" hangingPunct="1">
+              <a:spcBef>
+                <a:spcPct val="20000"/>
+              </a:spcBef>
+              <a:buFont typeface="Arial"/>
+              <a:buChar char="•"/>
+              <a:defRPr sz="2400" kern="1200">
+                <a:solidFill>
+                  <a:srgbClr val="FFFFFF"/>
+                </a:solidFill>
+                <a:latin typeface="+mn-lt"/>
+                <a:ea typeface="+mn-ea"/>
+                <a:cs typeface="+mn-cs"/>
+              </a:defRPr>
+            </a:lvl3pPr>
+            <a:lvl4pPr marL="1600200" indent="-228600" algn="l" defTabSz="457200" rtl="0" eaLnBrk="1" latinLnBrk="0" hangingPunct="1">
+              <a:spcBef>
+                <a:spcPct val="20000"/>
+              </a:spcBef>
+              <a:buFont typeface="Arial"/>
+              <a:buChar char="–"/>
+              <a:defRPr sz="2000" kern="1200">
+                <a:solidFill>
+                  <a:srgbClr val="FFFFFF"/>
+                </a:solidFill>
+                <a:latin typeface="+mn-lt"/>
+                <a:ea typeface="+mn-ea"/>
+                <a:cs typeface="+mn-cs"/>
+              </a:defRPr>
+            </a:lvl4pPr>
+            <a:lvl5pPr marL="2057400" indent="-228600" algn="l" defTabSz="457200" rtl="0" eaLnBrk="1" latinLnBrk="0" hangingPunct="1">
+              <a:spcBef>
+                <a:spcPct val="20000"/>
+              </a:spcBef>
+              <a:buFont typeface="Arial"/>
+              <a:buChar char="»"/>
+              <a:defRPr sz="2000" kern="1200">
+                <a:solidFill>
+                  <a:srgbClr val="FFFFFF"/>
+                </a:solidFill>
+                <a:latin typeface="+mn-lt"/>
+                <a:ea typeface="+mn-ea"/>
+                <a:cs typeface="+mn-cs"/>
+              </a:defRPr>
+            </a:lvl5pPr>
+            <a:lvl6pPr marL="2514600" indent="-228600" algn="l" defTabSz="457200" rtl="0" eaLnBrk="1" latinLnBrk="0" hangingPunct="1">
+              <a:spcBef>
+                <a:spcPct val="20000"/>
+              </a:spcBef>
+              <a:buFont typeface="Arial"/>
+              <a:buChar char="•"/>
+              <a:defRPr sz="2000" kern="1200">
+                <a:solidFill>
+                  <a:schemeClr val="tx1"/>
+                </a:solidFill>
+                <a:latin typeface="+mn-lt"/>
+                <a:ea typeface="+mn-ea"/>
+                <a:cs typeface="+mn-cs"/>
+              </a:defRPr>
+            </a:lvl6pPr>
+            <a:lvl7pPr marL="2971800" indent="-228600" algn="l" defTabSz="457200" rtl="0" eaLnBrk="1" latinLnBrk="0" hangingPunct="1">
+              <a:spcBef>
+                <a:spcPct val="20000"/>
+              </a:spcBef>
+              <a:buFont typeface="Arial"/>
+              <a:buChar char="•"/>
+              <a:defRPr sz="2000" kern="1200">
+                <a:solidFill>
+                  <a:schemeClr val="tx1"/>
+                </a:solidFill>
+                <a:latin typeface="+mn-lt"/>
+                <a:ea typeface="+mn-ea"/>
+                <a:cs typeface="+mn-cs"/>
+              </a:defRPr>
+            </a:lvl7pPr>
+            <a:lvl8pPr marL="3429000" indent="-228600" algn="l" defTabSz="457200" rtl="0" eaLnBrk="1" latinLnBrk="0" hangingPunct="1">
+              <a:spcBef>
+                <a:spcPct val="20000"/>
+              </a:spcBef>
+              <a:buFont typeface="Arial"/>
+              <a:buChar char="•"/>
+              <a:defRPr sz="2000" kern="1200">
+                <a:solidFill>
+                  <a:schemeClr val="tx1"/>
+                </a:solidFill>
+                <a:latin typeface="+mn-lt"/>
+                <a:ea typeface="+mn-ea"/>
+                <a:cs typeface="+mn-cs"/>
+              </a:defRPr>
+            </a:lvl8pPr>
+            <a:lvl9pPr marL="3886200" indent="-228600" algn="l" defTabSz="457200" rtl="0" eaLnBrk="1" latinLnBrk="0" hangingPunct="1">
+              <a:spcBef>
+                <a:spcPct val="20000"/>
+              </a:spcBef>
+              <a:buFont typeface="Arial"/>
+              <a:buChar char="•"/>
+              <a:defRPr sz="2000" kern="1200">
+                <a:solidFill>
+                  <a:schemeClr val="tx1"/>
+                </a:solidFill>
+                <a:latin typeface="+mn-lt"/>
+                <a:ea typeface="+mn-ea"/>
+                <a:cs typeface="+mn-cs"/>
+              </a:defRPr>
+            </a:lvl9pPr>
+          </a:lstStyle>
+          <a:p>
+            <a:r>
+              <a:rPr lang="en-US" sz="3600" dirty="0" smtClean="0">
+                <a:solidFill>
+                  <a:schemeClr val="tx1">
+                    <a:lumMod val="75000"/>
+                    <a:lumOff val="25000"/>
+                  </a:schemeClr>
+                </a:solidFill>
+              </a:rPr>
+              <a:t>Data Set</a:t>
+            </a:r>
+            <a:endParaRPr lang="en-US" sz="3600" dirty="0">
+              <a:solidFill>
+                <a:schemeClr val="tx1">
+                  <a:lumMod val="75000"/>
+                  <a:lumOff val="25000"/>
+                </a:schemeClr>
+              </a:solidFill>
+            </a:endParaRPr>
+          </a:p>
+        </p:txBody>
+      </p:sp>
+      <p:sp>
+        <p:nvSpPr>
+          <p:cNvPr id="21" name="TextBox 20"/>
+          <p:cNvSpPr txBox="1"/>
+          <p:nvPr/>
+        </p:nvSpPr>
+        <p:spPr>
+          <a:xfrm>
+            <a:off x="-10634" y="263358"/>
+            <a:ext cx="3039578" cy="646331"/>
+          </a:xfrm>
+          <a:prstGeom prst="rect">
+            <a:avLst/>
+          </a:prstGeom>
+          <a:noFill/>
+          <a:effectLst>
+            <a:outerShdw blurRad="50800" dist="38100" dir="2700000" algn="tl" rotWithShape="0">
+              <a:prstClr val="black">
+                <a:alpha val="40000"/>
+              </a:prstClr>
+            </a:outerShdw>
+          </a:effectLst>
+        </p:spPr>
+        <p:txBody>
+          <a:bodyPr wrap="square" rtlCol="0">
+            <a:spAutoFit/>
+          </a:bodyPr>
+          <a:lstStyle/>
+          <a:p>
+            <a:r>
+              <a:rPr lang="en-US" sz="3600" dirty="0" smtClean="0">
+                <a:solidFill>
+                  <a:srgbClr val="131245"/>
+                </a:solidFill>
+                <a:latin typeface="AR DESTINE" panose="02000000000000000000" pitchFamily="2" charset="0"/>
+              </a:rPr>
+              <a:t>Group</a:t>
+            </a:r>
+            <a:r>
+              <a:rPr lang="en-US" sz="3600" dirty="0" smtClean="0">
+                <a:solidFill>
+                  <a:schemeClr val="tx2">
+                    <a:lumMod val="60000"/>
+                    <a:lumOff val="40000"/>
+                  </a:schemeClr>
+                </a:solidFill>
+                <a:latin typeface="AR DESTINE" panose="02000000000000000000" pitchFamily="2" charset="0"/>
+              </a:rPr>
+              <a:t>7</a:t>
+            </a:r>
+            <a:endParaRPr lang="en-US" sz="3600" dirty="0">
+              <a:solidFill>
+                <a:schemeClr val="tx2">
+                  <a:lumMod val="60000"/>
+                  <a:lumOff val="40000"/>
+                </a:schemeClr>
+              </a:solidFill>
+              <a:latin typeface="AR DESTINE" panose="02000000000000000000" pitchFamily="2" charset="0"/>
+            </a:endParaRPr>
+          </a:p>
+        </p:txBody>
+      </p:sp>
+      <p:sp>
+        <p:nvSpPr>
+          <p:cNvPr id="40" name="Rectangle 39"/>
+          <p:cNvSpPr/>
+          <p:nvPr/>
+        </p:nvSpPr>
+        <p:spPr>
+          <a:xfrm>
+            <a:off x="2159001" y="1343846"/>
+            <a:ext cx="4825999" cy="773545"/>
+          </a:xfrm>
+          <a:prstGeom prst="rect">
+            <a:avLst/>
+          </a:prstGeom>
+          <a:solidFill>
+            <a:srgbClr val="3A93B7"/>
+          </a:solidFill>
+          <a:ln>
+            <a:noFill/>
+          </a:ln>
+          <a:effectLst/>
+        </p:spPr>
+        <p:style>
+          <a:lnRef idx="1">
+            <a:schemeClr val="accent1"/>
+          </a:lnRef>
+          <a:fillRef idx="3">
+            <a:schemeClr val="accent1"/>
+          </a:fillRef>
+          <a:effectRef idx="2">
+            <a:schemeClr val="accent1"/>
+          </a:effectRef>
+          <a:fontRef idx="minor">
+            <a:schemeClr val="lt1"/>
+          </a:fontRef>
+        </p:style>
+        <p:txBody>
+          <a:bodyPr rtlCol="0" anchor="ctr"/>
+          <a:lstStyle/>
+          <a:p>
+            <a:pPr algn="ctr"/>
+            <a:r>
+              <a:rPr lang="en-US" sz="2400" dirty="0" smtClean="0">
+                <a:latin typeface="Helvetica Light"/>
+                <a:cs typeface="Helvetica Light"/>
+              </a:rPr>
               <a:t>Patterns in Our Data</a:t>
             </a:r>
             <a:endParaRPr lang="en-US" sz="2400" dirty="0">
@@ -9696,7 +10357,7 @@
 </p:sld>
 </file>
 
-<file path=ppt/slides/slide5.xml><?xml version="1.0" encoding="utf-8"?>
+<file path=ppt/slides/slide6.xml><?xml version="1.0" encoding="utf-8"?>
 <p:sld xmlns:a="http://schemas.openxmlformats.org/drawingml/2006/main" xmlns:r="http://schemas.openxmlformats.org/officeDocument/2006/relationships" xmlns:p="http://schemas.openxmlformats.org/presentationml/2006/main">
   <p:cSld>
     <p:spTree>
@@ -10088,8 +10749,271 @@
         </p:nvSpPr>
         <p:spPr>
           <a:xfrm>
-            <a:off x="766655" y="2855740"/>
-            <a:ext cx="7938615" cy="3234047"/>
+            <a:off x="316081" y="2481302"/>
+            <a:ext cx="7938615" cy="2011185"/>
+          </a:xfrm>
+          <a:prstGeom prst="rect">
+            <a:avLst/>
+          </a:prstGeom>
+        </p:spPr>
+        <p:txBody>
+          <a:bodyPr vert="horz" lIns="91440" tIns="45720" rIns="91440" bIns="45720" rtlCol="0">
+            <a:normAutofit lnSpcReduction="10000"/>
+          </a:bodyPr>
+          <a:lstStyle>
+            <a:lvl1pPr marL="514290" indent="-514290" algn="l" defTabSz="457200" rtl="0" eaLnBrk="1" latinLnBrk="0" hangingPunct="1">
+              <a:lnSpc>
+                <a:spcPct val="150000"/>
+              </a:lnSpc>
+              <a:spcBef>
+                <a:spcPct val="20000"/>
+              </a:spcBef>
+              <a:buClr>
+                <a:schemeClr val="tx1"/>
+              </a:buClr>
+              <a:buSzPct val="150000"/>
+              <a:buFont typeface="Wingdings" charset="2"/>
+              <a:buAutoNum type="arabicPlain"/>
+              <a:defRPr sz="2400" b="0" i="0" kern="1200" baseline="0">
+                <a:solidFill>
+                  <a:schemeClr val="tx1">
+                    <a:lumMod val="50000"/>
+                  </a:schemeClr>
+                </a:solidFill>
+                <a:latin typeface="+mn-lt"/>
+                <a:ea typeface="+mn-ea"/>
+                <a:cs typeface="+mn-cs"/>
+              </a:defRPr>
+            </a:lvl1pPr>
+            <a:lvl2pPr marL="742950" indent="-285750" algn="l" defTabSz="457200" rtl="0" eaLnBrk="1" latinLnBrk="0" hangingPunct="1">
+              <a:spcBef>
+                <a:spcPct val="20000"/>
+              </a:spcBef>
+              <a:buFont typeface="Arial"/>
+              <a:buChar char="–"/>
+              <a:defRPr sz="2800" kern="1200">
+                <a:solidFill>
+                  <a:schemeClr val="tx1"/>
+                </a:solidFill>
+                <a:latin typeface="+mn-lt"/>
+                <a:ea typeface="+mn-ea"/>
+                <a:cs typeface="+mn-cs"/>
+              </a:defRPr>
+            </a:lvl2pPr>
+            <a:lvl3pPr marL="1143000" indent="-228600" algn="l" defTabSz="457200" rtl="0" eaLnBrk="1" latinLnBrk="0" hangingPunct="1">
+              <a:spcBef>
+                <a:spcPct val="20000"/>
+              </a:spcBef>
+              <a:buFont typeface="Arial"/>
+              <a:buChar char="•"/>
+              <a:defRPr sz="2400" kern="1200">
+                <a:solidFill>
+                  <a:schemeClr val="tx1"/>
+                </a:solidFill>
+                <a:latin typeface="+mn-lt"/>
+                <a:ea typeface="+mn-ea"/>
+                <a:cs typeface="+mn-cs"/>
+              </a:defRPr>
+            </a:lvl3pPr>
+            <a:lvl4pPr marL="1600200" indent="-228600" algn="l" defTabSz="457200" rtl="0" eaLnBrk="1" latinLnBrk="0" hangingPunct="1">
+              <a:spcBef>
+                <a:spcPct val="20000"/>
+              </a:spcBef>
+              <a:buFont typeface="Arial"/>
+              <a:buChar char="–"/>
+              <a:defRPr sz="2000" kern="1200">
+                <a:solidFill>
+                  <a:schemeClr val="tx1"/>
+                </a:solidFill>
+                <a:latin typeface="+mn-lt"/>
+                <a:ea typeface="+mn-ea"/>
+                <a:cs typeface="+mn-cs"/>
+              </a:defRPr>
+            </a:lvl4pPr>
+            <a:lvl5pPr marL="2057400" indent="-228600" algn="l" defTabSz="457200" rtl="0" eaLnBrk="1" latinLnBrk="0" hangingPunct="1">
+              <a:spcBef>
+                <a:spcPct val="20000"/>
+              </a:spcBef>
+              <a:buFont typeface="Arial"/>
+              <a:buChar char="»"/>
+              <a:defRPr sz="2000" kern="1200">
+                <a:solidFill>
+                  <a:schemeClr val="tx1"/>
+                </a:solidFill>
+                <a:latin typeface="+mn-lt"/>
+                <a:ea typeface="+mn-ea"/>
+                <a:cs typeface="+mn-cs"/>
+              </a:defRPr>
+            </a:lvl5pPr>
+            <a:lvl6pPr marL="2514600" indent="-228600" algn="l" defTabSz="457200" rtl="0" eaLnBrk="1" latinLnBrk="0" hangingPunct="1">
+              <a:spcBef>
+                <a:spcPct val="20000"/>
+              </a:spcBef>
+              <a:buFont typeface="Arial"/>
+              <a:buChar char="•"/>
+              <a:defRPr sz="2000" kern="1200">
+                <a:solidFill>
+                  <a:schemeClr val="tx1"/>
+                </a:solidFill>
+                <a:latin typeface="+mn-lt"/>
+                <a:ea typeface="+mn-ea"/>
+                <a:cs typeface="+mn-cs"/>
+              </a:defRPr>
+            </a:lvl6pPr>
+            <a:lvl7pPr marL="2971800" indent="-228600" algn="l" defTabSz="457200" rtl="0" eaLnBrk="1" latinLnBrk="0" hangingPunct="1">
+              <a:spcBef>
+                <a:spcPct val="20000"/>
+              </a:spcBef>
+              <a:buFont typeface="Arial"/>
+              <a:buChar char="•"/>
+              <a:defRPr sz="2000" kern="1200">
+                <a:solidFill>
+                  <a:schemeClr val="tx1"/>
+                </a:solidFill>
+                <a:latin typeface="+mn-lt"/>
+                <a:ea typeface="+mn-ea"/>
+                <a:cs typeface="+mn-cs"/>
+              </a:defRPr>
+            </a:lvl7pPr>
+            <a:lvl8pPr marL="3429000" indent="-228600" algn="l" defTabSz="457200" rtl="0" eaLnBrk="1" latinLnBrk="0" hangingPunct="1">
+              <a:spcBef>
+                <a:spcPct val="20000"/>
+              </a:spcBef>
+              <a:buFont typeface="Arial"/>
+              <a:buChar char="•"/>
+              <a:defRPr sz="2000" kern="1200">
+                <a:solidFill>
+                  <a:schemeClr val="tx1"/>
+                </a:solidFill>
+                <a:latin typeface="+mn-lt"/>
+                <a:ea typeface="+mn-ea"/>
+                <a:cs typeface="+mn-cs"/>
+              </a:defRPr>
+            </a:lvl8pPr>
+            <a:lvl9pPr marL="3886200" indent="-228600" algn="l" defTabSz="457200" rtl="0" eaLnBrk="1" latinLnBrk="0" hangingPunct="1">
+              <a:spcBef>
+                <a:spcPct val="20000"/>
+              </a:spcBef>
+              <a:buFont typeface="Arial"/>
+              <a:buChar char="•"/>
+              <a:defRPr sz="2000" kern="1200">
+                <a:solidFill>
+                  <a:schemeClr val="tx1"/>
+                </a:solidFill>
+                <a:latin typeface="+mn-lt"/>
+                <a:ea typeface="+mn-ea"/>
+                <a:cs typeface="+mn-cs"/>
+              </a:defRPr>
+            </a:lvl9pPr>
+          </a:lstStyle>
+          <a:p>
+            <a:pPr marL="0" indent="0">
+              <a:buNone/>
+            </a:pPr>
+            <a:r>
+              <a:rPr lang="en-US" sz="2000" dirty="0" smtClean="0">
+                <a:solidFill>
+                  <a:srgbClr val="404040"/>
+                </a:solidFill>
+                <a:latin typeface="Helvetica Light"/>
+                <a:cs typeface="Helvetica Light"/>
+              </a:rPr>
+              <a:t>Constraints for Adding a Drinker: </a:t>
+            </a:r>
+            <a:endParaRPr lang="en-US" sz="1200" dirty="0" smtClean="0">
+              <a:solidFill>
+                <a:srgbClr val="40A2CB"/>
+              </a:solidFill>
+              <a:latin typeface="Helvetica Light"/>
+              <a:cs typeface="Helvetica Light"/>
+            </a:endParaRPr>
+          </a:p>
+          <a:p>
+            <a:pPr marL="342900" indent="-342900">
+              <a:buFont typeface="Arial"/>
+              <a:buChar char="•"/>
+            </a:pPr>
+            <a:r>
+              <a:rPr lang="en-US" sz="2000" dirty="0" smtClean="0">
+                <a:solidFill>
+                  <a:srgbClr val="40A2CB"/>
+                </a:solidFill>
+                <a:latin typeface="Helvetica Light"/>
+                <a:cs typeface="Helvetica Light"/>
+              </a:rPr>
+              <a:t>Drinker must be 21 years of age or older</a:t>
+            </a:r>
+          </a:p>
+          <a:p>
+            <a:pPr marL="342900" indent="-342900">
+              <a:buFont typeface="Arial"/>
+              <a:buChar char="•"/>
+            </a:pPr>
+            <a:r>
+              <a:rPr lang="en-US" sz="2000" dirty="0" smtClean="0">
+                <a:solidFill>
+                  <a:srgbClr val="40A2CB"/>
+                </a:solidFill>
+                <a:latin typeface="Helvetica Light"/>
+                <a:cs typeface="Helvetica Light"/>
+              </a:rPr>
+              <a:t>Drinker’s spending per day must not be greater </a:t>
+            </a:r>
+            <a:r>
+              <a:rPr lang="en-US" sz="2000" dirty="0">
+                <a:solidFill>
+                  <a:srgbClr val="40A2CB"/>
+                </a:solidFill>
+                <a:latin typeface="Helvetica Light"/>
+                <a:cs typeface="Helvetica Light"/>
+              </a:rPr>
+              <a:t>than half their daily </a:t>
+            </a:r>
+            <a:r>
+              <a:rPr lang="en-US" sz="2000" dirty="0" smtClean="0">
+                <a:solidFill>
+                  <a:srgbClr val="40A2CB"/>
+                </a:solidFill>
+                <a:latin typeface="Helvetica Light"/>
+                <a:cs typeface="Helvetica Light"/>
+              </a:rPr>
+              <a:t>earnings</a:t>
+            </a:r>
+            <a:endParaRPr lang="en-US" sz="2000" dirty="0">
+              <a:solidFill>
+                <a:srgbClr val="40A2CB"/>
+              </a:solidFill>
+              <a:latin typeface="Helvetica Light"/>
+              <a:cs typeface="Helvetica Light"/>
+            </a:endParaRPr>
+          </a:p>
+          <a:p>
+            <a:pPr marL="342900" indent="-342900">
+              <a:buFont typeface="Arial"/>
+              <a:buChar char="•"/>
+            </a:pPr>
+            <a:endParaRPr lang="en-US" dirty="0" smtClean="0">
+              <a:solidFill>
+                <a:srgbClr val="40A2CB"/>
+              </a:solidFill>
+              <a:latin typeface="Helvetica Light"/>
+              <a:cs typeface="Helvetica Light"/>
+            </a:endParaRPr>
+          </a:p>
+        </p:txBody>
+      </p:sp>
+      <p:sp>
+        <p:nvSpPr>
+          <p:cNvPr id="8" name="Text Placeholder 5"/>
+          <p:cNvSpPr txBox="1">
+            <a:spLocks/>
+          </p:cNvSpPr>
+          <p:nvPr/>
+        </p:nvSpPr>
+        <p:spPr>
+          <a:xfrm>
+            <a:off x="316080" y="4372365"/>
+            <a:ext cx="7938615" cy="2111319"/>
           </a:xfrm>
           <a:prstGeom prst="rect">
             <a:avLst/>
@@ -10250,21 +11174,26 @@
               <a:buNone/>
             </a:pPr>
             <a:r>
-              <a:rPr lang="en-US" dirty="0" smtClean="0">
+              <a:rPr lang="en-US" sz="2000" dirty="0" smtClean="0">
                 <a:solidFill>
                   <a:srgbClr val="404040"/>
                 </a:solidFill>
                 <a:latin typeface="Helvetica Light"/>
                 <a:cs typeface="Helvetica Light"/>
               </a:rPr>
-              <a:t>Constraints for Adding a Drinker: </a:t>
-            </a:r>
-          </a:p>
-          <a:p>
-            <a:pPr marL="0" indent="0">
-              <a:buNone/>
-            </a:pPr>
-            <a:endParaRPr lang="en-US" sz="1400" dirty="0" smtClean="0">
+              <a:t>Constraints for </a:t>
+            </a:r>
+            <a:r>
+              <a:rPr lang="en-US" sz="2000" dirty="0" smtClean="0">
+                <a:solidFill>
+                  <a:srgbClr val="404040"/>
+                </a:solidFill>
+                <a:latin typeface="Helvetica Light"/>
+                <a:cs typeface="Helvetica Light"/>
+              </a:rPr>
+              <a:t>adding a new beer to be sold at a bar: </a:t>
+            </a:r>
+            <a:endParaRPr lang="en-US" sz="1200" dirty="0" smtClean="0">
               <a:solidFill>
                 <a:srgbClr val="40A2CB"/>
               </a:solidFill>
@@ -10278,41 +11207,22 @@
               <a:buChar char="•"/>
             </a:pPr>
             <a:r>
-              <a:rPr lang="en-US" dirty="0" smtClean="0">
+              <a:rPr lang="en-US" sz="2000" dirty="0" smtClean="0">
                 <a:solidFill>
                   <a:srgbClr val="40A2CB"/>
                 </a:solidFill>
                 <a:latin typeface="Helvetica Light"/>
                 <a:cs typeface="Helvetica Light"/>
               </a:rPr>
-              <a:t>Drinker must be 21 years of age or older</a:t>
-            </a:r>
-          </a:p>
-          <a:p>
-            <a:pPr marL="342900" indent="-342900">
-              <a:buFont typeface="Arial"/>
-              <a:buChar char="•"/>
-            </a:pPr>
-            <a:r>
-              <a:rPr lang="en-US" dirty="0" smtClean="0">
-                <a:solidFill>
-                  <a:srgbClr val="40A2CB"/>
-                </a:solidFill>
-                <a:latin typeface="Helvetica Light"/>
-                <a:cs typeface="Helvetica Light"/>
-              </a:rPr>
-              <a:t>Drinker’s spending per day must not be greater </a:t>
-            </a:r>
-            <a:r>
-              <a:rPr lang="en-US" dirty="0">
-                <a:solidFill>
-                  <a:srgbClr val="40A2CB"/>
-                </a:solidFill>
-                <a:latin typeface="Helvetica Light"/>
-                <a:cs typeface="Helvetica Light"/>
-              </a:rPr>
-              <a:t>than half their daily earnings</a:t>
-            </a:r>
+              <a:t>Beer must be priced high enough to generate a profit</a:t>
+            </a:r>
+            <a:endParaRPr lang="en-US" sz="2000" dirty="0" smtClean="0">
+              <a:solidFill>
+                <a:srgbClr val="40A2CB"/>
+              </a:solidFill>
+              <a:latin typeface="Helvetica Light"/>
+              <a:cs typeface="Helvetica Light"/>
+            </a:endParaRPr>
           </a:p>
         </p:txBody>
       </p:sp>
@@ -10336,7 +11246,7 @@
 </p:sld>
 </file>
 
-<file path=ppt/slides/slide6.xml><?xml version="1.0" encoding="utf-8"?>
+<file path=ppt/slides/slide7.xml><?xml version="1.0" encoding="utf-8"?>
 <p:sld xmlns:a="http://schemas.openxmlformats.org/drawingml/2006/main" xmlns:r="http://schemas.openxmlformats.org/officeDocument/2006/relationships" xmlns:p="http://schemas.openxmlformats.org/presentationml/2006/main">
   <p:cSld>
     <p:spTree>
@@ -10716,7 +11626,7 @@
 </p:sld>
 </file>
 
-<file path=ppt/slides/slide7.xml><?xml version="1.0" encoding="utf-8"?>
+<file path=ppt/slides/slide8.xml><?xml version="1.0" encoding="utf-8"?>
 <p:sld xmlns:a="http://schemas.openxmlformats.org/drawingml/2006/main" xmlns:r="http://schemas.openxmlformats.org/officeDocument/2006/relationships" xmlns:p="http://schemas.openxmlformats.org/presentationml/2006/main">
   <p:cSld>
     <p:spTree>
@@ -10966,25 +11876,8 @@
                 <a:latin typeface="Helvetica Light"/>
                 <a:cs typeface="Helvetica Light"/>
               </a:rPr>
-              <a:t>Solution is to provide bar owners with a dashboard displaying engaging and useful </a:t>
-            </a:r>
-            <a:r>
-              <a:rPr lang="en-US" dirty="0" smtClean="0">
-                <a:solidFill>
-                  <a:srgbClr val="40A2CB"/>
-                </a:solidFill>
-                <a:latin typeface="Helvetica Light"/>
-                <a:cs typeface="Helvetica Light"/>
-              </a:rPr>
-              <a:t>data points</a:t>
-            </a:r>
-            <a:endParaRPr lang="en-US" dirty="0" smtClean="0">
-              <a:solidFill>
-                <a:srgbClr val="40A2CB"/>
-              </a:solidFill>
-              <a:latin typeface="Helvetica Light"/>
-              <a:cs typeface="Helvetica Light"/>
-            </a:endParaRPr>
+              <a:t>Solution is to provide bar owners with a dashboard displaying engaging and useful data points</a:t>
+            </a:r>
           </a:p>
           <a:p>
             <a:pPr marL="342900" indent="-342900">
@@ -11019,57 +11912,7 @@
                 <a:latin typeface="Helvetica Light"/>
                 <a:cs typeface="Helvetica Light"/>
               </a:rPr>
-              <a:t>ar </a:t>
-            </a:r>
-            <a:r>
-              <a:rPr lang="en-US" dirty="0" smtClean="0">
-                <a:solidFill>
-                  <a:srgbClr val="40A2CB"/>
-                </a:solidFill>
-                <a:latin typeface="Helvetica Light"/>
-                <a:cs typeface="Helvetica Light"/>
-              </a:rPr>
-              <a:t>owners </a:t>
-            </a:r>
-            <a:r>
-              <a:rPr lang="en-US" dirty="0" smtClean="0">
-                <a:solidFill>
-                  <a:srgbClr val="40A2CB"/>
-                </a:solidFill>
-                <a:latin typeface="Helvetica Light"/>
-                <a:cs typeface="Helvetica Light"/>
-              </a:rPr>
-              <a:t>can adjust </a:t>
-            </a:r>
-            <a:r>
-              <a:rPr lang="en-US" dirty="0" smtClean="0">
-                <a:solidFill>
-                  <a:srgbClr val="40A2CB"/>
-                </a:solidFill>
-                <a:latin typeface="Helvetica Light"/>
-                <a:cs typeface="Helvetica Light"/>
-              </a:rPr>
-              <a:t>their business model </a:t>
-            </a:r>
-            <a:r>
-              <a:rPr lang="en-US" dirty="0" smtClean="0">
-                <a:solidFill>
-                  <a:srgbClr val="40A2CB"/>
-                </a:solidFill>
-                <a:latin typeface="Helvetica Light"/>
-                <a:cs typeface="Helvetica Light"/>
-              </a:rPr>
-              <a:t>to see increases </a:t>
-            </a:r>
-            <a:r>
-              <a:rPr lang="en-US" dirty="0" smtClean="0">
-                <a:solidFill>
-                  <a:srgbClr val="40A2CB"/>
-                </a:solidFill>
-                <a:latin typeface="Helvetica Light"/>
-                <a:cs typeface="Helvetica Light"/>
-              </a:rPr>
-              <a:t>in sales</a:t>
+              <a:t>ar owners can adjust their business model to see increases in sales</a:t>
             </a:r>
           </a:p>
         </p:txBody>
@@ -11427,7 +12270,7 @@
 </p:sld>
 </file>
 
-<file path=ppt/slides/slide8.xml><?xml version="1.0" encoding="utf-8"?>
+<file path=ppt/slides/slide9.xml><?xml version="1.0" encoding="utf-8"?>
 <p:sld xmlns:a="http://schemas.openxmlformats.org/drawingml/2006/main" xmlns:r="http://schemas.openxmlformats.org/officeDocument/2006/relationships" xmlns:p="http://schemas.openxmlformats.org/presentationml/2006/main">
   <p:cSld>
     <p:spTree>
